--- a/Week3_Questions/BachmeierNTIM7241-3.pptx
+++ b/Week3_Questions/BachmeierNTIM7241-3.pptx
@@ -1218,6 +1218,189 @@
         <p:txBody>
           <a:bodyPr/>
           <a:lstStyle/>
+          <a:p>
+            <a:pPr marL="0" marR="0">
+              <a:lnSpc>
+                <a:spcPct val="200000"/>
+              </a:lnSpc>
+              <a:spcBef>
+                <a:spcPts val="0"/>
+              </a:spcBef>
+              <a:spcAft>
+                <a:spcPts val="0"/>
+              </a:spcAft>
+            </a:pPr>
+            <a:r>
+              <a:rPr lang="en-US" sz="1800" dirty="0">
+                <a:effectLst/>
+                <a:latin typeface="Times New Roman" panose="02020603050405020304" pitchFamily="18" charset="0"/>
+                <a:ea typeface="Calibri" panose="020F0502020204030204" pitchFamily="34" charset="0"/>
+              </a:rPr>
+              <a:t>All three articles begin with a clear problem statement and then explain the impact of not solving the issue.  </a:t>
+            </a:r>
+          </a:p>
+          <a:p>
+            <a:pPr marL="0" marR="0">
+              <a:lnSpc>
+                <a:spcPct val="200000"/>
+              </a:lnSpc>
+              <a:spcBef>
+                <a:spcPts val="0"/>
+              </a:spcBef>
+              <a:spcAft>
+                <a:spcPts val="0"/>
+              </a:spcAft>
+            </a:pPr>
+            <a:endParaRPr lang="en-US" sz="1800" dirty="0">
+              <a:effectLst/>
+              <a:latin typeface="Times New Roman" panose="02020603050405020304" pitchFamily="18" charset="0"/>
+              <a:ea typeface="Calibri" panose="020F0502020204030204" pitchFamily="34" charset="0"/>
+            </a:endParaRPr>
+          </a:p>
+          <a:p>
+            <a:pPr marL="285750" marR="0" indent="-285750">
+              <a:lnSpc>
+                <a:spcPct val="200000"/>
+              </a:lnSpc>
+              <a:spcBef>
+                <a:spcPts val="0"/>
+              </a:spcBef>
+              <a:spcAft>
+                <a:spcPts val="0"/>
+              </a:spcAft>
+              <a:buFont typeface="Arial" panose="020B0604020202020204" pitchFamily="34" charset="0"/>
+              <a:buChar char="•"/>
+            </a:pPr>
+            <a:r>
+              <a:rPr lang="en-US" sz="1800" dirty="0">
+                <a:effectLst/>
+                <a:latin typeface="Times New Roman" panose="02020603050405020304" pitchFamily="18" charset="0"/>
+                <a:ea typeface="Calibri" panose="020F0502020204030204" pitchFamily="34" charset="0"/>
+              </a:rPr>
+              <a:t>For example, in “Power to the People,” the solar farms need to increase adoption rates or risk going out of business.  Simmonds approaches the problem by meeting with customers and examining how they use the service today.  Those interactions drive conversations around product requirements that ultimately promote engagement.  	</a:t>
+            </a:r>
+          </a:p>
+          <a:p>
+            <a:pPr marL="285750" marR="0" indent="-285750">
+              <a:lnSpc>
+                <a:spcPct val="200000"/>
+              </a:lnSpc>
+              <a:spcBef>
+                <a:spcPts val="0"/>
+              </a:spcBef>
+              <a:spcAft>
+                <a:spcPts val="0"/>
+              </a:spcAft>
+              <a:buFont typeface="Arial" panose="020B0604020202020204" pitchFamily="34" charset="0"/>
+              <a:buChar char="•"/>
+            </a:pPr>
+            <a:r>
+              <a:rPr lang="en-US" sz="1800" dirty="0">
+                <a:effectLst/>
+                <a:latin typeface="Times New Roman" panose="02020603050405020304" pitchFamily="18" charset="0"/>
+                <a:ea typeface="Calibri" panose="020F0502020204030204" pitchFamily="34" charset="0"/>
+              </a:rPr>
+              <a:t>Similarly, regulating e-cigarettes among a heavy smoking population is challenging.  </a:t>
+            </a:r>
+            <a:r>
+              <a:rPr lang="en-US" sz="1800" dirty="0" err="1">
+                <a:effectLst/>
+                <a:latin typeface="Times New Roman" panose="02020603050405020304" pitchFamily="18" charset="0"/>
+                <a:ea typeface="Calibri" panose="020F0502020204030204" pitchFamily="34" charset="0"/>
+              </a:rPr>
+              <a:t>Kaunang</a:t>
+            </a:r>
+            <a:r>
+              <a:rPr lang="en-US" sz="1800" dirty="0">
+                <a:effectLst/>
+                <a:latin typeface="Times New Roman" panose="02020603050405020304" pitchFamily="18" charset="0"/>
+                <a:ea typeface="Calibri" panose="020F0502020204030204" pitchFamily="34" charset="0"/>
+              </a:rPr>
+              <a:t> et al. (2021) devise an effective mechanism for monitoring real-time sentiment.  This capability enables the regulators to be agile and target their advertising campaigns.  </a:t>
+            </a:r>
+          </a:p>
+          <a:p>
+            <a:pPr marL="285750" marR="0" indent="-285750">
+              <a:lnSpc>
+                <a:spcPct val="200000"/>
+              </a:lnSpc>
+              <a:spcBef>
+                <a:spcPts val="0"/>
+              </a:spcBef>
+              <a:spcAft>
+                <a:spcPts val="0"/>
+              </a:spcAft>
+              <a:buFont typeface="Arial" panose="020B0604020202020204" pitchFamily="34" charset="0"/>
+              <a:buChar char="•"/>
+            </a:pPr>
+            <a:r>
+              <a:rPr lang="en-US" sz="1800" dirty="0">
+                <a:effectLst/>
+                <a:latin typeface="Times New Roman" panose="02020603050405020304" pitchFamily="18" charset="0"/>
+                <a:ea typeface="Calibri" panose="020F0502020204030204" pitchFamily="34" charset="0"/>
+              </a:rPr>
+              <a:t>Finally, forecasting electricity service disruptions reduces price shocks, making the spot market more efficient.</a:t>
+            </a:r>
+          </a:p>
+          <a:p>
+            <a:pPr marL="285750" marR="0" indent="-285750">
+              <a:lnSpc>
+                <a:spcPct val="200000"/>
+              </a:lnSpc>
+              <a:spcBef>
+                <a:spcPts val="0"/>
+              </a:spcBef>
+              <a:spcAft>
+                <a:spcPts val="0"/>
+              </a:spcAft>
+              <a:buFont typeface="Arial" panose="020B0604020202020204" pitchFamily="34" charset="0"/>
+              <a:buChar char="•"/>
+            </a:pPr>
+            <a:endParaRPr lang="en-US" sz="1800" dirty="0">
+              <a:effectLst/>
+              <a:latin typeface="Times New Roman" panose="02020603050405020304" pitchFamily="18" charset="0"/>
+              <a:ea typeface="Calibri" panose="020F0502020204030204" pitchFamily="34" charset="0"/>
+            </a:endParaRPr>
+          </a:p>
+          <a:p>
+            <a:pPr marL="0" marR="0" indent="0">
+              <a:lnSpc>
+                <a:spcPct val="200000"/>
+              </a:lnSpc>
+              <a:spcBef>
+                <a:spcPts val="0"/>
+              </a:spcBef>
+              <a:spcAft>
+                <a:spcPts val="0"/>
+              </a:spcAft>
+              <a:buFont typeface="Arial" panose="020B0604020202020204" pitchFamily="34" charset="0"/>
+              <a:buNone/>
+            </a:pPr>
+            <a:r>
+              <a:rPr lang="en-US" sz="1800" dirty="0">
+                <a:effectLst/>
+                <a:latin typeface="Times New Roman" panose="02020603050405020304" pitchFamily="18" charset="0"/>
+                <a:ea typeface="Calibri" panose="020F0502020204030204" pitchFamily="34" charset="0"/>
+              </a:rPr>
+              <a:t>These </a:t>
+            </a:r>
+            <a:r>
+              <a:rPr lang="en-US" sz="1800">
+                <a:effectLst/>
+                <a:latin typeface="Times New Roman" panose="02020603050405020304" pitchFamily="18" charset="0"/>
+                <a:ea typeface="Calibri" panose="020F0502020204030204" pitchFamily="34" charset="0"/>
+              </a:rPr>
+              <a:t>stories draw </a:t>
+            </a:r>
+            <a:r>
+              <a:rPr lang="en-US" sz="1800" dirty="0">
+                <a:effectLst/>
+                <a:latin typeface="Times New Roman" panose="02020603050405020304" pitchFamily="18" charset="0"/>
+                <a:ea typeface="Calibri" panose="020F0502020204030204" pitchFamily="34" charset="0"/>
+              </a:rPr>
+              <a:t>a straight line between the business challenges, questions, and the purpose of their study.</a:t>
+            </a:r>
+          </a:p>
           <a:p>
             <a:endParaRPr lang="en-US" dirty="0"/>
           </a:p>
@@ -10053,14 +10236,14 @@
             <p:ph idx="1"/>
             <p:extLst>
               <p:ext uri="{D42A27DB-BD31-4B8C-83A1-F6EECF244321}">
-                <p14:modId xmlns:p14="http://schemas.microsoft.com/office/powerpoint/2010/main" val="1855153305"/>
+                <p14:modId xmlns:p14="http://schemas.microsoft.com/office/powerpoint/2010/main" val="2084191183"/>
               </p:ext>
             </p:extLst>
           </p:nvPr>
         </p:nvGraphicFramePr>
         <p:xfrm>
           <a:off x="124989" y="2063042"/>
-          <a:ext cx="11618993" cy="4540316"/>
+          <a:ext cx="11232348" cy="4540316"/>
         </p:xfrm>
         <a:graphic>
           <a:graphicData uri="http://schemas.openxmlformats.org/drawingml/2006/table">
@@ -10083,14 +10266,14 @@
                     </a:ext>
                   </a:extLst>
                 </a:gridCol>
-                <a:gridCol w="3852535">
+                <a:gridCol w="3689522">
                   <a:extLst>
                     <a:ext uri="{9D8B030D-6E8A-4147-A177-3AD203B41FA5}">
                       <a16:colId xmlns:a16="http://schemas.microsoft.com/office/drawing/2014/main" val="779075189"/>
                     </a:ext>
                   </a:extLst>
                 </a:gridCol>
-                <a:gridCol w="3747976">
+                <a:gridCol w="3524344">
                   <a:extLst>
                     <a:ext uri="{9D8B030D-6E8A-4147-A177-3AD203B41FA5}">
                       <a16:colId xmlns:a16="http://schemas.microsoft.com/office/drawing/2014/main" val="4166984015"/>
@@ -10465,7 +10648,7 @@
                         <a:buAutoNum type="arabicPeriod"/>
                       </a:pPr>
                       <a:r>
-                        <a:rPr lang="en-US" sz="1100">
+                        <a:rPr lang="en-US" sz="1100" dirty="0">
                           <a:effectLst/>
                         </a:rPr>
                         <a:t>How can we centralize data from heterogeneous sensors</a:t>
@@ -10486,12 +10669,12 @@
                         <a:buAutoNum type="arabicPeriod"/>
                       </a:pPr>
                       <a:r>
-                        <a:rPr lang="en-US" sz="1100">
+                        <a:rPr lang="en-US" sz="1100" dirty="0">
                           <a:effectLst/>
                         </a:rPr>
                         <a:t>Can we build a forecasting model to predict reliability issues</a:t>
                       </a:r>
-                      <a:endParaRPr lang="en-US" sz="1100">
+                      <a:endParaRPr lang="en-US" sz="1100" dirty="0">
                         <a:effectLst/>
                         <a:latin typeface="Times New Roman" panose="02020603050405020304" pitchFamily="18" charset="0"/>
                         <a:ea typeface="Calibri" panose="020F0502020204030204" pitchFamily="34" charset="0"/>

--- a/Week3_Questions/BachmeierNTIM7241-3.pptx
+++ b/Week3_Questions/BachmeierNTIM7241-3.pptx
@@ -1236,7 +1236,7 @@
                 <a:latin typeface="Times New Roman" panose="02020603050405020304" pitchFamily="18" charset="0"/>
                 <a:ea typeface="Calibri" panose="020F0502020204030204" pitchFamily="34" charset="0"/>
               </a:rPr>
-              <a:t>All three articles begin with a clear problem statement and then explain the impact of not solving the issue.  </a:t>
+              <a:t>Design science research (DSR) is a framework for improving knowledge generation within constructive research projects (van Rensburg &amp; Goede, 2019).  It outlines a formal process from first awareness of the problem through suggestions, development, evaluation, and conclusions.  Following this process ensures that the research problem, questions, and study purpose are in alignment.  Both “Power to the People” and “Intelligent Dispatch of Photovoltaic” papers explicitly implement DSR.  Meanwhile, “Analyzing E-Cigs” does not mention DSR but does start with the business case and the regulators’ needs.</a:t>
             </a:r>
           </a:p>
           <a:p>
@@ -1258,7 +1258,7 @@
             </a:endParaRPr>
           </a:p>
           <a:p>
-            <a:pPr marL="285750" marR="0" indent="-285750">
+            <a:pPr marL="0" marR="0">
               <a:lnSpc>
                 <a:spcPct val="200000"/>
               </a:lnSpc>
@@ -1268,8 +1268,6 @@
               <a:spcAft>
                 <a:spcPts val="0"/>
               </a:spcAft>
-              <a:buFont typeface="Arial" panose="020B0604020202020204" pitchFamily="34" charset="0"/>
-              <a:buChar char="•"/>
             </a:pPr>
             <a:r>
               <a:rPr lang="en-US" sz="1800" dirty="0">
@@ -1277,132 +1275,8 @@
                 <a:latin typeface="Times New Roman" panose="02020603050405020304" pitchFamily="18" charset="0"/>
                 <a:ea typeface="Calibri" panose="020F0502020204030204" pitchFamily="34" charset="0"/>
               </a:rPr>
-              <a:t>For example, in “Power to the People,” the solar farms need to increase adoption rates or risk going out of business.  Simmonds approaches the problem by meeting with customers and examining how they use the service today.  Those interactions drive conversations around product requirements that ultimately promote engagement.  	</a:t>
-            </a:r>
-          </a:p>
-          <a:p>
-            <a:pPr marL="285750" marR="0" indent="-285750">
-              <a:lnSpc>
-                <a:spcPct val="200000"/>
-              </a:lnSpc>
-              <a:spcBef>
-                <a:spcPts val="0"/>
-              </a:spcBef>
-              <a:spcAft>
-                <a:spcPts val="0"/>
-              </a:spcAft>
-              <a:buFont typeface="Arial" panose="020B0604020202020204" pitchFamily="34" charset="0"/>
-              <a:buChar char="•"/>
-            </a:pPr>
-            <a:r>
-              <a:rPr lang="en-US" sz="1800" dirty="0">
-                <a:effectLst/>
-                <a:latin typeface="Times New Roman" panose="02020603050405020304" pitchFamily="18" charset="0"/>
-                <a:ea typeface="Calibri" panose="020F0502020204030204" pitchFamily="34" charset="0"/>
-              </a:rPr>
-              <a:t>Similarly, regulating e-cigarettes among a heavy smoking population is challenging.  </a:t>
-            </a:r>
-            <a:r>
-              <a:rPr lang="en-US" sz="1800" dirty="0" err="1">
-                <a:effectLst/>
-                <a:latin typeface="Times New Roman" panose="02020603050405020304" pitchFamily="18" charset="0"/>
-                <a:ea typeface="Calibri" panose="020F0502020204030204" pitchFamily="34" charset="0"/>
-              </a:rPr>
-              <a:t>Kaunang</a:t>
-            </a:r>
-            <a:r>
-              <a:rPr lang="en-US" sz="1800" dirty="0">
-                <a:effectLst/>
-                <a:latin typeface="Times New Roman" panose="02020603050405020304" pitchFamily="18" charset="0"/>
-                <a:ea typeface="Calibri" panose="020F0502020204030204" pitchFamily="34" charset="0"/>
-              </a:rPr>
-              <a:t> et al. (2021) devise an effective mechanism for monitoring real-time sentiment.  This capability enables the regulators to be agile and target their advertising campaigns.  </a:t>
-            </a:r>
-          </a:p>
-          <a:p>
-            <a:pPr marL="285750" marR="0" indent="-285750">
-              <a:lnSpc>
-                <a:spcPct val="200000"/>
-              </a:lnSpc>
-              <a:spcBef>
-                <a:spcPts val="0"/>
-              </a:spcBef>
-              <a:spcAft>
-                <a:spcPts val="0"/>
-              </a:spcAft>
-              <a:buFont typeface="Arial" panose="020B0604020202020204" pitchFamily="34" charset="0"/>
-              <a:buChar char="•"/>
-            </a:pPr>
-            <a:r>
-              <a:rPr lang="en-US" sz="1800" dirty="0">
-                <a:effectLst/>
-                <a:latin typeface="Times New Roman" panose="02020603050405020304" pitchFamily="18" charset="0"/>
-                <a:ea typeface="Calibri" panose="020F0502020204030204" pitchFamily="34" charset="0"/>
-              </a:rPr>
-              <a:t>Finally, forecasting electricity service disruptions reduces price shocks, making the spot market more efficient.</a:t>
-            </a:r>
-          </a:p>
-          <a:p>
-            <a:pPr marL="285750" marR="0" indent="-285750">
-              <a:lnSpc>
-                <a:spcPct val="200000"/>
-              </a:lnSpc>
-              <a:spcBef>
-                <a:spcPts val="0"/>
-              </a:spcBef>
-              <a:spcAft>
-                <a:spcPts val="0"/>
-              </a:spcAft>
-              <a:buFont typeface="Arial" panose="020B0604020202020204" pitchFamily="34" charset="0"/>
-              <a:buChar char="•"/>
-            </a:pPr>
-            <a:endParaRPr lang="en-US" sz="1800" dirty="0">
-              <a:effectLst/>
-              <a:latin typeface="Times New Roman" panose="02020603050405020304" pitchFamily="18" charset="0"/>
-              <a:ea typeface="Calibri" panose="020F0502020204030204" pitchFamily="34" charset="0"/>
-            </a:endParaRPr>
-          </a:p>
-          <a:p>
-            <a:pPr marL="0" marR="0" indent="0">
-              <a:lnSpc>
-                <a:spcPct val="200000"/>
-              </a:lnSpc>
-              <a:spcBef>
-                <a:spcPts val="0"/>
-              </a:spcBef>
-              <a:spcAft>
-                <a:spcPts val="0"/>
-              </a:spcAft>
-              <a:buFont typeface="Arial" panose="020B0604020202020204" pitchFamily="34" charset="0"/>
-              <a:buNone/>
-            </a:pPr>
-            <a:r>
-              <a:rPr lang="en-US" sz="1800" dirty="0">
-                <a:effectLst/>
-                <a:latin typeface="Times New Roman" panose="02020603050405020304" pitchFamily="18" charset="0"/>
-                <a:ea typeface="Calibri" panose="020F0502020204030204" pitchFamily="34" charset="0"/>
-              </a:rPr>
-              <a:t>These </a:t>
-            </a:r>
-            <a:r>
-              <a:rPr lang="en-US" sz="1800">
-                <a:effectLst/>
-                <a:latin typeface="Times New Roman" panose="02020603050405020304" pitchFamily="18" charset="0"/>
-                <a:ea typeface="Calibri" panose="020F0502020204030204" pitchFamily="34" charset="0"/>
-              </a:rPr>
-              <a:t>stories draw </a:t>
-            </a:r>
-            <a:r>
-              <a:rPr lang="en-US" sz="1800" dirty="0">
-                <a:effectLst/>
-                <a:latin typeface="Times New Roman" panose="02020603050405020304" pitchFamily="18" charset="0"/>
-                <a:ea typeface="Calibri" panose="020F0502020204030204" pitchFamily="34" charset="0"/>
-              </a:rPr>
-              <a:t>a straight line between the business challenges, questions, and the purpose of their study.</a:t>
-            </a:r>
-          </a:p>
-          <a:p>
-            <a:endParaRPr lang="en-US" dirty="0"/>
+              <a:t>Since all three articles begin with a clear business case, there is a clear set of questions that need addressing.  For instance, the solar farm needs to increase adoption rates or go out of business.  That problem statement naturally transitions to asking, why are adoption rates low?  Simmonds (2021) rules out costing in her opening statements, leaving the reader to wonder about the service’s usability.  A similar structure exists within the other two articles, drawing a straight line across problems, questions, and purpose.</a:t>
+            </a:r>
           </a:p>
         </p:txBody>
       </p:sp>
@@ -9980,6 +9854,13 @@
             <a:schemeClr val="lt1"/>
           </a:fontRef>
         </p:style>
+        <p:txBody>
+          <a:bodyPr/>
+          <a:lstStyle/>
+          <a:p>
+            <a:endParaRPr lang="en-US"/>
+          </a:p>
+        </p:txBody>
       </p:sp>
       <p:sp>
         <p:nvSpPr>
@@ -10070,6 +9951,13 @@
             <a:schemeClr val="lt1"/>
           </a:fontRef>
         </p:style>
+        <p:txBody>
+          <a:bodyPr/>
+          <a:lstStyle/>
+          <a:p>
+            <a:endParaRPr lang="en-US"/>
+          </a:p>
+        </p:txBody>
       </p:sp>
       <p:sp>
         <p:nvSpPr>
@@ -10129,6 +10017,13 @@
             <a:schemeClr val="lt1"/>
           </a:fontRef>
         </p:style>
+        <p:txBody>
+          <a:bodyPr/>
+          <a:lstStyle/>
+          <a:p>
+            <a:endParaRPr lang="en-US"/>
+          </a:p>
+        </p:txBody>
       </p:sp>
       <p:pic>
         <p:nvPicPr>
@@ -10236,7 +10131,7 @@
             <p:ph idx="1"/>
             <p:extLst>
               <p:ext uri="{D42A27DB-BD31-4B8C-83A1-F6EECF244321}">
-                <p14:modId xmlns:p14="http://schemas.microsoft.com/office/powerpoint/2010/main" val="2084191183"/>
+                <p14:modId xmlns:p14="http://schemas.microsoft.com/office/powerpoint/2010/main" val="2290565464"/>
               </p:ext>
             </p:extLst>
           </p:nvPr>
@@ -10361,12 +10256,12 @@
                         </a:spcAft>
                       </a:pPr>
                       <a:r>
-                        <a:rPr lang="en-US" sz="1400" b="1">
+                        <a:rPr lang="en-US" sz="1400" b="1" dirty="0">
                           <a:effectLst/>
                         </a:rPr>
-                        <a:t>Electric Distr. (2021)</a:t>
+                        <a:t>Intel. Dispatch (2021)</a:t>
                       </a:r>
-                      <a:endParaRPr lang="en-US" sz="1400" b="1">
+                      <a:endParaRPr lang="en-US" sz="1400" b="1" dirty="0">
                         <a:effectLst/>
                         <a:latin typeface="Times New Roman" panose="02020603050405020304" pitchFamily="18" charset="0"/>
                         <a:ea typeface="Calibri" panose="020F0502020204030204" pitchFamily="34" charset="0"/>
@@ -11163,6 +11058,13 @@
             <a:schemeClr val="lt1"/>
           </a:fontRef>
         </p:style>
+        <p:txBody>
+          <a:bodyPr/>
+          <a:lstStyle/>
+          <a:p>
+            <a:endParaRPr lang="en-US"/>
+          </a:p>
+        </p:txBody>
       </p:sp>
       <p:sp>
         <p:nvSpPr>
@@ -11348,10 +11250,10 @@
       </p:sp>
       <p:pic>
         <p:nvPicPr>
-          <p:cNvPr id="6" name="Content Placeholder 5">
+          <p:cNvPr id="8" name="Picture 7">
             <a:extLst>
               <a:ext uri="{FF2B5EF4-FFF2-40B4-BE49-F238E27FC236}">
-                <a16:creationId xmlns:a16="http://schemas.microsoft.com/office/drawing/2014/main" id="{F820DA40-D947-4759-BF04-70282B9BE5A0}"/>
+                <a16:creationId xmlns:a16="http://schemas.microsoft.com/office/drawing/2014/main" id="{CC27B1EA-8039-40BD-BE4A-DB2C954C5637}"/>
               </a:ext>
             </a:extLst>
           </p:cNvPr>
@@ -11368,16 +11270,12 @@
         </p:blipFill>
         <p:spPr>
           <a:xfrm>
-            <a:off x="5016931" y="1370849"/>
-            <a:ext cx="6878111" cy="4401989"/>
+            <a:off x="5118890" y="880553"/>
+            <a:ext cx="6687520" cy="4950015"/>
           </a:xfrm>
           <a:prstGeom prst="rect">
             <a:avLst/>
           </a:prstGeom>
-          <a:ln>
-            <a:noFill/>
-          </a:ln>
-          <a:effectLst/>
         </p:spPr>
       </p:pic>
     </p:spTree>
